--- a/img/Bilder.pptx
+++ b/img/Bilder.pptx
@@ -106,6 +106,11 @@
       </a:defRPr>
     </a:lvl9pPr>
   </p:defaultTextStyle>
+  <p:extLst>
+    <p:ext uri="{EFAFB233-063F-42B5-8137-9DF3F51BA10A}">
+      <p15:sldGuideLst xmlns:p15="http://schemas.microsoft.com/office/powerpoint/2012/main"/>
+    </p:ext>
+  </p:extLst>
 </p:presentation>
 </file>
 
@@ -258,7 +263,7 @@
           <a:p>
             <a:fld id="{D1176A18-E453-41C6-881D-B28AFA305268}" type="datetimeFigureOut">
               <a:rPr lang="en-US" smtClean="0"/>
-              <a:t>4/26/2022</a:t>
+              <a:t>4/27/2022</a:t>
             </a:fld>
             <a:endParaRPr lang="en-US"/>
           </a:p>
@@ -458,7 +463,7 @@
           <a:p>
             <a:fld id="{D1176A18-E453-41C6-881D-B28AFA305268}" type="datetimeFigureOut">
               <a:rPr lang="en-US" smtClean="0"/>
-              <a:t>4/26/2022</a:t>
+              <a:t>4/27/2022</a:t>
             </a:fld>
             <a:endParaRPr lang="en-US"/>
           </a:p>
@@ -668,7 +673,7 @@
           <a:p>
             <a:fld id="{D1176A18-E453-41C6-881D-B28AFA305268}" type="datetimeFigureOut">
               <a:rPr lang="en-US" smtClean="0"/>
-              <a:t>4/26/2022</a:t>
+              <a:t>4/27/2022</a:t>
             </a:fld>
             <a:endParaRPr lang="en-US"/>
           </a:p>
@@ -868,7 +873,7 @@
           <a:p>
             <a:fld id="{D1176A18-E453-41C6-881D-B28AFA305268}" type="datetimeFigureOut">
               <a:rPr lang="en-US" smtClean="0"/>
-              <a:t>4/26/2022</a:t>
+              <a:t>4/27/2022</a:t>
             </a:fld>
             <a:endParaRPr lang="en-US"/>
           </a:p>
@@ -1144,7 +1149,7 @@
           <a:p>
             <a:fld id="{D1176A18-E453-41C6-881D-B28AFA305268}" type="datetimeFigureOut">
               <a:rPr lang="en-US" smtClean="0"/>
-              <a:t>4/26/2022</a:t>
+              <a:t>4/27/2022</a:t>
             </a:fld>
             <a:endParaRPr lang="en-US"/>
           </a:p>
@@ -1412,7 +1417,7 @@
           <a:p>
             <a:fld id="{D1176A18-E453-41C6-881D-B28AFA305268}" type="datetimeFigureOut">
               <a:rPr lang="en-US" smtClean="0"/>
-              <a:t>4/26/2022</a:t>
+              <a:t>4/27/2022</a:t>
             </a:fld>
             <a:endParaRPr lang="en-US"/>
           </a:p>
@@ -1827,7 +1832,7 @@
           <a:p>
             <a:fld id="{D1176A18-E453-41C6-881D-B28AFA305268}" type="datetimeFigureOut">
               <a:rPr lang="en-US" smtClean="0"/>
-              <a:t>4/26/2022</a:t>
+              <a:t>4/27/2022</a:t>
             </a:fld>
             <a:endParaRPr lang="en-US"/>
           </a:p>
@@ -1969,7 +1974,7 @@
           <a:p>
             <a:fld id="{D1176A18-E453-41C6-881D-B28AFA305268}" type="datetimeFigureOut">
               <a:rPr lang="en-US" smtClean="0"/>
-              <a:t>4/26/2022</a:t>
+              <a:t>4/27/2022</a:t>
             </a:fld>
             <a:endParaRPr lang="en-US"/>
           </a:p>
@@ -2082,7 +2087,7 @@
           <a:p>
             <a:fld id="{D1176A18-E453-41C6-881D-B28AFA305268}" type="datetimeFigureOut">
               <a:rPr lang="en-US" smtClean="0"/>
-              <a:t>4/26/2022</a:t>
+              <a:t>4/27/2022</a:t>
             </a:fld>
             <a:endParaRPr lang="en-US"/>
           </a:p>
@@ -2395,7 +2400,7 @@
           <a:p>
             <a:fld id="{D1176A18-E453-41C6-881D-B28AFA305268}" type="datetimeFigureOut">
               <a:rPr lang="en-US" smtClean="0"/>
-              <a:t>4/26/2022</a:t>
+              <a:t>4/27/2022</a:t>
             </a:fld>
             <a:endParaRPr lang="en-US"/>
           </a:p>
@@ -2684,7 +2689,7 @@
           <a:p>
             <a:fld id="{D1176A18-E453-41C6-881D-B28AFA305268}" type="datetimeFigureOut">
               <a:rPr lang="en-US" smtClean="0"/>
-              <a:t>4/26/2022</a:t>
+              <a:t>4/27/2022</a:t>
             </a:fld>
             <a:endParaRPr lang="en-US"/>
           </a:p>
@@ -2927,7 +2932,7 @@
           <a:p>
             <a:fld id="{D1176A18-E453-41C6-881D-B28AFA305268}" type="datetimeFigureOut">
               <a:rPr lang="en-US" smtClean="0"/>
-              <a:t>4/26/2022</a:t>
+              <a:t>4/27/2022</a:t>
             </a:fld>
             <a:endParaRPr lang="en-US"/>
           </a:p>
@@ -3889,7 +3894,7 @@
             </a:r>
             <a:r>
               <a:rPr lang="de-DE" sz="5400" baseline="-25000" dirty="0"/>
-              <a:t>0</a:t>
+              <a:t>1</a:t>
             </a:r>
             <a:endParaRPr lang="en-US" sz="5400" baseline="-25000" dirty="0"/>
           </a:p>
@@ -4653,6 +4658,9 @@
             </a:pathLst>
           </a:custGeom>
           <a:ln w="69850" cap="sq">
+            <a:solidFill>
+              <a:schemeClr val="accent2"/>
+            </a:solidFill>
             <a:headEnd type="triangle"/>
             <a:tailEnd type="triangle"/>
             <a:extLst>
@@ -4726,14 +4734,14 @@
             <a:r>
               <a:rPr lang="de-DE" sz="5400" dirty="0">
                 <a:solidFill>
-                  <a:schemeClr val="accent1"/>
+                  <a:schemeClr val="accent2"/>
                 </a:solidFill>
               </a:rPr>
               <a:t>h</a:t>
             </a:r>
             <a:endParaRPr lang="en-US" sz="5400" dirty="0">
               <a:solidFill>
-                <a:schemeClr val="accent1"/>
+                <a:schemeClr val="accent2"/>
               </a:solidFill>
             </a:endParaRPr>
           </a:p>
@@ -5298,7 +5306,7 @@
             </a:r>
             <a:r>
               <a:rPr lang="de-DE" sz="5400" baseline="-25000" dirty="0"/>
-              <a:t>0</a:t>
+              <a:t>1</a:t>
             </a:r>
             <a:endParaRPr lang="en-US" sz="5400" baseline="-25000" dirty="0"/>
           </a:p>
@@ -5381,7 +5389,7 @@
             </a:r>
             <a:r>
               <a:rPr lang="de-DE" sz="5400" baseline="-25000" dirty="0"/>
-              <a:t>1</a:t>
+              <a:t>2</a:t>
             </a:r>
             <a:endParaRPr lang="en-US" sz="5400" baseline="-25000" dirty="0"/>
           </a:p>
